--- a/yelp_project.pptx
+++ b/yelp_project.pptx
@@ -7219,8 +7219,8 @@
         </p:nvSpPr>
         <p:spPr>
           <a:xfrm>
-            <a:off x="533400" y="1295400"/>
-            <a:ext cx="8382000" cy="5105400"/>
+            <a:off x="533400" y="1676400"/>
+            <a:ext cx="8382000" cy="4114800"/>
           </a:xfrm>
         </p:spPr>
         <p:txBody>
@@ -7237,7 +7237,7 @@
               <a:buChar char="•"/>
             </a:pPr>
             <a:r>
-              <a:rPr lang="en-US" sz="2800" dirty="0" smtClean="0">
+              <a:rPr lang="en-US" dirty="0" smtClean="0">
                 <a:solidFill>
                   <a:schemeClr val="accent6">
                     <a:lumMod val="50000"/>
@@ -7249,12 +7249,12 @@
               <a:t>The datasets being used for this project are taken from Yelp Dataset Challenge.  </a:t>
             </a:r>
             <a:r>
-              <a:rPr lang="en-US" sz="2400" dirty="0" smtClean="0">
+              <a:rPr lang="en-US" dirty="0" smtClean="0">
                 <a:hlinkClick r:id="rId3"/>
               </a:rPr>
               <a:t>www.yelp.com/dataset/challenge</a:t>
             </a:r>
-            <a:endParaRPr lang="en-US" sz="2400" dirty="0" smtClean="0"/>
+            <a:endParaRPr lang="en-US" dirty="0" smtClean="0"/>
           </a:p>
           <a:p>
             <a:pPr marL="457200" indent="-457200" algn="l">
@@ -7265,7 +7265,7 @@
               <a:buChar char="•"/>
             </a:pPr>
             <a:r>
-              <a:rPr lang="en-US" sz="2800" dirty="0" smtClean="0">
+              <a:rPr lang="en-US" dirty="0" smtClean="0">
                 <a:solidFill>
                   <a:schemeClr val="accent6">
                     <a:lumMod val="50000"/>
@@ -7277,7 +7277,7 @@
               <a:t>Total Dataset Size:  </a:t>
             </a:r>
             <a:r>
-              <a:rPr lang="en-US" sz="2800" b="1" dirty="0" smtClean="0">
+              <a:rPr lang="en-US" b="1" dirty="0" smtClean="0">
                 <a:solidFill>
                   <a:schemeClr val="accent6">
                     <a:lumMod val="50000"/>
@@ -7298,7 +7298,7 @@
               <a:buChar char="•"/>
             </a:pPr>
             <a:r>
-              <a:rPr lang="en-US" sz="2800" dirty="0" smtClean="0">
+              <a:rPr lang="en-US" dirty="0" smtClean="0">
                 <a:solidFill>
                   <a:schemeClr val="accent6">
                     <a:lumMod val="50000"/>
@@ -7307,19 +7307,10 @@
                 <a:latin typeface="Cambria" panose="02040503050406030204" pitchFamily="18" charset="0"/>
                 <a:ea typeface="Cambria" panose="02040503050406030204" pitchFamily="18" charset="0"/>
               </a:rPr>
-              <a:t>It includes 174K businesses, 1.3M users, 5.2M reviews.</a:t>
-            </a:r>
-          </a:p>
-          <a:p>
-            <a:pPr marL="457200" indent="-457200" algn="l">
-              <a:lnSpc>
-                <a:spcPct val="110000"/>
-              </a:lnSpc>
-              <a:buFont typeface="Arial" panose="020B0604020202020204" pitchFamily="34" charset="0"/>
-              <a:buChar char="•"/>
-            </a:pPr>
-            <a:r>
-              <a:rPr lang="en-US" sz="2800" dirty="0" smtClean="0">
+              <a:t>It includes 174K businesses, 1.3M users, 5.2M reviews</a:t>
+            </a:r>
+            <a:r>
+              <a:rPr lang="en-US" dirty="0" smtClean="0">
                 <a:solidFill>
                   <a:schemeClr val="accent6">
                     <a:lumMod val="50000"/>
@@ -7328,33 +7319,9 @@
                 <a:latin typeface="Cambria" panose="02040503050406030204" pitchFamily="18" charset="0"/>
                 <a:ea typeface="Cambria" panose="02040503050406030204" pitchFamily="18" charset="0"/>
               </a:rPr>
-              <a:t>For purpose of this research, I am working on extracted data for restaurants in Toronto. </a:t>
-            </a:r>
-            <a:r>
-              <a:rPr lang="en-US" sz="2800" dirty="0">
-                <a:solidFill>
-                  <a:schemeClr val="accent6">
-                    <a:lumMod val="50000"/>
-                  </a:schemeClr>
-                </a:solidFill>
-                <a:latin typeface="Cambria" panose="02040503050406030204" pitchFamily="18" charset="0"/>
-                <a:ea typeface="Cambria" panose="02040503050406030204" pitchFamily="18" charset="0"/>
-              </a:rPr>
-              <a:t>The techniques can be applied to any other business or </a:t>
-            </a:r>
-            <a:r>
-              <a:rPr lang="en-US" sz="2800" dirty="0" smtClean="0">
-                <a:solidFill>
-                  <a:schemeClr val="accent6">
-                    <a:lumMod val="50000"/>
-                  </a:schemeClr>
-                </a:solidFill>
-                <a:latin typeface="Cambria" panose="02040503050406030204" pitchFamily="18" charset="0"/>
-                <a:ea typeface="Cambria" panose="02040503050406030204" pitchFamily="18" charset="0"/>
-              </a:rPr>
-              <a:t>location.</a:t>
-            </a:r>
-            <a:endParaRPr lang="en-US" sz="2800" dirty="0">
+              <a:t>.</a:t>
+            </a:r>
+            <a:endParaRPr lang="en-US" dirty="0" smtClean="0">
               <a:solidFill>
                 <a:schemeClr val="accent6">
                   <a:lumMod val="50000"/>
@@ -7709,18 +7676,22 @@
         </p:spPr>
         <p:txBody>
           <a:bodyPr>
-            <a:normAutofit fontScale="90000"/>
+            <a:normAutofit/>
           </a:bodyPr>
           <a:lstStyle/>
           <a:p>
             <a:pPr algn="l"/>
             <a:r>
+              <a:rPr lang="en-US" sz="3200" b="1" dirty="0" smtClean="0"/>
+              <a:t>68% </a:t>
+            </a:r>
+            <a:r>
               <a:rPr lang="en-US" sz="3200" b="1" dirty="0"/>
-              <a:t>More than 50% reviewers </a:t>
+              <a:t>reviewers </a:t>
             </a:r>
             <a:r>
               <a:rPr lang="en-US" sz="3200" b="1" dirty="0" smtClean="0"/>
-              <a:t>give </a:t>
+              <a:t>gave </a:t>
             </a:r>
             <a:r>
               <a:rPr lang="en-US" sz="3200" b="1" dirty="0"/>
@@ -7728,7 +7699,11 @@
             </a:r>
             <a:r>
               <a:rPr lang="en-US" sz="3200" b="1" dirty="0" smtClean="0"/>
-              <a:t>4.0</a:t>
+              <a:t>4</a:t>
+            </a:r>
+            <a:r>
+              <a:rPr lang="en-US" sz="3200" b="1" dirty="0" smtClean="0"/>
+              <a:t>+</a:t>
             </a:r>
             <a:endParaRPr lang="en-US" sz="3600" b="1" dirty="0"/>
           </a:p>
@@ -7880,6 +7855,66 @@
             <a:r>
               <a:rPr lang="en-US" b="1" dirty="0" smtClean="0"/>
               <a:t>52.7%</a:t>
+            </a:r>
+            <a:endParaRPr lang="en-US" b="1" dirty="0"/>
+          </a:p>
+        </p:txBody>
+      </p:sp>
+      <p:sp>
+        <p:nvSpPr>
+          <p:cNvPr id="2" name="TextBox 1"/>
+          <p:cNvSpPr txBox="1"/>
+          <p:nvPr/>
+        </p:nvSpPr>
+        <p:spPr>
+          <a:xfrm>
+            <a:off x="5486400" y="4126469"/>
+            <a:ext cx="762000" cy="369331"/>
+          </a:xfrm>
+          <a:prstGeom prst="rect">
+            <a:avLst/>
+          </a:prstGeom>
+          <a:noFill/>
+        </p:spPr>
+        <p:txBody>
+          <a:bodyPr wrap="square" rtlCol="0">
+            <a:spAutoFit/>
+          </a:bodyPr>
+          <a:lstStyle/>
+          <a:p>
+            <a:r>
+              <a:rPr lang="en-US" dirty="0" smtClean="0"/>
+              <a:t>12.5%</a:t>
+            </a:r>
+            <a:endParaRPr lang="en-US" dirty="0"/>
+          </a:p>
+        </p:txBody>
+      </p:sp>
+      <p:sp>
+        <p:nvSpPr>
+          <p:cNvPr id="8" name="TextBox 7"/>
+          <p:cNvSpPr txBox="1"/>
+          <p:nvPr/>
+        </p:nvSpPr>
+        <p:spPr>
+          <a:xfrm>
+            <a:off x="5257800" y="4659868"/>
+            <a:ext cx="838200" cy="369332"/>
+          </a:xfrm>
+          <a:prstGeom prst="rect">
+            <a:avLst/>
+          </a:prstGeom>
+          <a:noFill/>
+        </p:spPr>
+        <p:txBody>
+          <a:bodyPr wrap="square" rtlCol="0">
+            <a:spAutoFit/>
+          </a:bodyPr>
+          <a:lstStyle/>
+          <a:p>
+            <a:r>
+              <a:rPr lang="en-US" b="1" dirty="0" smtClean="0"/>
+              <a:t>2.8%</a:t>
             </a:r>
             <a:endParaRPr lang="en-US" b="1" dirty="0"/>
           </a:p>
@@ -8177,15 +8212,6 @@
               </a:rPr>
               <a:t>Analysis of review text shows that only a few keywords are enough to differentiate a customer</a:t>
             </a:r>
-            <a:endParaRPr lang="en-US" sz="2800" dirty="0">
-              <a:solidFill>
-                <a:schemeClr val="accent6">
-                  <a:lumMod val="50000"/>
-                </a:schemeClr>
-              </a:solidFill>
-              <a:latin typeface="Cambria" panose="02040503050406030204" pitchFamily="18" charset="0"/>
-              <a:ea typeface="Cambria" panose="02040503050406030204" pitchFamily="18" charset="0"/>
-            </a:endParaRPr>
           </a:p>
         </p:txBody>
       </p:sp>
